--- a/Challenger 6.pptx
+++ b/Challenger 6.pptx
@@ -23,7 +23,7 @@
     <p:sldId id="271" r:id="rId14"/>
   </p:sldIdLst>
   <p:sldSz cx="6858000" cy="9906000" type="A4"/>
-  <p:notesSz cx="6858000" cy="9144000"/>
+  <p:notesSz cx="7104063" cy="10234613"/>
   <p:defaultTextStyle>
     <a:defPPr>
       <a:defRPr lang="pt-BR"/>
@@ -122,7 +122,7 @@
   <p:extLst>
     <p:ext uri="{EFAFB233-063F-42B5-8137-9DF3F51BA10A}">
       <p15:sldGuideLst xmlns:p15="http://schemas.microsoft.com/office/powerpoint/2012/main">
-        <p15:guide id="1" orient="horz" pos="3143" userDrawn="1">
+        <p15:guide id="1" orient="horz" pos="3165" userDrawn="1">
           <p15:clr>
             <a:srgbClr val="A4A3A4"/>
           </p15:clr>
@@ -1050,17 +1050,17 @@
         <p:spPr>
           <a:xfrm>
             <a:off x="0" y="0"/>
-            <a:ext cx="2971800" cy="458788"/>
+            <a:ext cx="3078427" cy="513508"/>
           </a:xfrm>
           <a:prstGeom prst="rect">
             <a:avLst/>
           </a:prstGeom>
         </p:spPr>
         <p:txBody>
-          <a:bodyPr vert="horz" lIns="91440" tIns="45720" rIns="91440" bIns="45720" rtlCol="0"/>
+          <a:bodyPr vert="horz" lIns="99075" tIns="49538" rIns="99075" bIns="49538" rtlCol="0"/>
           <a:lstStyle>
             <a:lvl1pPr algn="l">
-              <a:defRPr sz="1200"/>
+              <a:defRPr sz="1300"/>
             </a:lvl1pPr>
           </a:lstStyle>
           <a:p>
@@ -1080,18 +1080,18 @@
         </p:nvSpPr>
         <p:spPr>
           <a:xfrm>
-            <a:off x="3884613" y="0"/>
-            <a:ext cx="2971800" cy="458788"/>
+            <a:off x="4023992" y="0"/>
+            <a:ext cx="3078427" cy="513508"/>
           </a:xfrm>
           <a:prstGeom prst="rect">
             <a:avLst/>
           </a:prstGeom>
         </p:spPr>
         <p:txBody>
-          <a:bodyPr vert="horz" lIns="91440" tIns="45720" rIns="91440" bIns="45720" rtlCol="0"/>
+          <a:bodyPr vert="horz" lIns="99075" tIns="49538" rIns="99075" bIns="49538" rtlCol="0"/>
           <a:lstStyle>
             <a:lvl1pPr algn="r">
-              <a:defRPr sz="1200"/>
+              <a:defRPr sz="1300"/>
             </a:lvl1pPr>
           </a:lstStyle>
           <a:p>
@@ -1115,8 +1115,8 @@
         </p:nvSpPr>
         <p:spPr>
           <a:xfrm>
-            <a:off x="2360613" y="1143000"/>
-            <a:ext cx="2136775" cy="3086100"/>
+            <a:off x="2357438" y="1279525"/>
+            <a:ext cx="2389187" cy="3454400"/>
           </a:xfrm>
           <a:prstGeom prst="rect">
             <a:avLst/>
@@ -1129,7 +1129,7 @@
           </a:ln>
         </p:spPr>
         <p:txBody>
-          <a:bodyPr vert="horz" lIns="91440" tIns="45720" rIns="91440" bIns="45720" rtlCol="0" anchor="ctr"/>
+          <a:bodyPr vert="horz" lIns="99075" tIns="49538" rIns="99075" bIns="49538" rtlCol="0" anchor="ctr"/>
           <a:lstStyle/>
           <a:p>
             <a:endParaRPr lang="pt-BR"/>
@@ -1148,15 +1148,15 @@
         </p:nvSpPr>
         <p:spPr>
           <a:xfrm>
-            <a:off x="685800" y="4400550"/>
-            <a:ext cx="5486400" cy="3600450"/>
+            <a:off x="710407" y="4925407"/>
+            <a:ext cx="5683250" cy="4029879"/>
           </a:xfrm>
           <a:prstGeom prst="rect">
             <a:avLst/>
           </a:prstGeom>
         </p:spPr>
         <p:txBody>
-          <a:bodyPr vert="horz" lIns="91440" tIns="45720" rIns="91440" bIns="45720" rtlCol="0"/>
+          <a:bodyPr vert="horz" lIns="99075" tIns="49538" rIns="99075" bIns="49538" rtlCol="0"/>
           <a:lstStyle/>
           <a:p>
             <a:pPr lvl="0"/>
@@ -1207,18 +1207,18 @@
         </p:nvSpPr>
         <p:spPr>
           <a:xfrm>
-            <a:off x="0" y="8685213"/>
-            <a:ext cx="2971800" cy="458787"/>
+            <a:off x="0" y="9721107"/>
+            <a:ext cx="3078427" cy="513507"/>
           </a:xfrm>
           <a:prstGeom prst="rect">
             <a:avLst/>
           </a:prstGeom>
         </p:spPr>
         <p:txBody>
-          <a:bodyPr vert="horz" lIns="91440" tIns="45720" rIns="91440" bIns="45720" rtlCol="0" anchor="b"/>
+          <a:bodyPr vert="horz" lIns="99075" tIns="49538" rIns="99075" bIns="49538" rtlCol="0" anchor="b"/>
           <a:lstStyle>
             <a:lvl1pPr algn="l">
-              <a:defRPr sz="1200"/>
+              <a:defRPr sz="1300"/>
             </a:lvl1pPr>
           </a:lstStyle>
           <a:p>
@@ -1238,18 +1238,18 @@
         </p:nvSpPr>
         <p:spPr>
           <a:xfrm>
-            <a:off x="3884613" y="8685213"/>
-            <a:ext cx="2971800" cy="458787"/>
+            <a:off x="4023992" y="9721107"/>
+            <a:ext cx="3078427" cy="513507"/>
           </a:xfrm>
           <a:prstGeom prst="rect">
             <a:avLst/>
           </a:prstGeom>
         </p:spPr>
         <p:txBody>
-          <a:bodyPr vert="horz" lIns="91440" tIns="45720" rIns="91440" bIns="45720" rtlCol="0" anchor="b"/>
+          <a:bodyPr vert="horz" lIns="99075" tIns="49538" rIns="99075" bIns="49538" rtlCol="0" anchor="b"/>
           <a:lstStyle>
             <a:lvl1pPr algn="r">
-              <a:defRPr sz="1200"/>
+              <a:defRPr sz="1300"/>
             </a:lvl1pPr>
           </a:lstStyle>
           <a:p>
@@ -11374,7 +11374,7 @@
         </p:blipFill>
         <p:spPr>
           <a:xfrm>
-            <a:off x="-1590875" y="8721691"/>
+            <a:off x="-1854464" y="8721691"/>
             <a:ext cx="1854464" cy="1854464"/>
           </a:xfrm>
           <a:prstGeom prst="rect">
@@ -12274,59 +12274,59 @@
                                   </p:childTnLst>
                                 </p:cTn>
                               </p:par>
+                              <p:par>
+                                <p:cTn id="72" presetID="10" presetClass="entr" presetSubtype="0" fill="hold" nodeType="withEffect">
+                                  <p:stCondLst>
+                                    <p:cond delay="0"/>
+                                  </p:stCondLst>
+                                  <p:childTnLst>
+                                    <p:set>
+                                      <p:cBhvr>
+                                        <p:cTn id="73" dur="1" fill="hold">
+                                          <p:stCondLst>
+                                            <p:cond delay="0"/>
+                                          </p:stCondLst>
+                                        </p:cTn>
+                                        <p:tgtEl>
+                                          <p:spTgt spid="8"/>
+                                        </p:tgtEl>
+                                        <p:attrNameLst>
+                                          <p:attrName>style.visibility</p:attrName>
+                                        </p:attrNameLst>
+                                      </p:cBhvr>
+                                      <p:to>
+                                        <p:strVal val="visible"/>
+                                      </p:to>
+                                    </p:set>
+                                    <p:animEffect transition="in" filter="fade">
+                                      <p:cBhvr>
+                                        <p:cTn id="74" dur="500"/>
+                                        <p:tgtEl>
+                                          <p:spTgt spid="8"/>
+                                        </p:tgtEl>
+                                      </p:cBhvr>
+                                    </p:animEffect>
+                                  </p:childTnLst>
+                                </p:cTn>
+                              </p:par>
                             </p:childTnLst>
                           </p:cTn>
                         </p:par>
                         <p:par>
-                          <p:cTn id="72" fill="hold">
+                          <p:cTn id="75" fill="hold">
                             <p:stCondLst>
                               <p:cond delay="8250"/>
                             </p:stCondLst>
                             <p:childTnLst>
                               <p:par>
-                                <p:cTn id="73" presetID="10" presetClass="entr" presetSubtype="0" fill="hold" nodeType="afterEffect">
+                                <p:cTn id="76" presetID="42" presetClass="path" presetSubtype="0" accel="50000" decel="50000" fill="hold" nodeType="afterEffect">
                                   <p:stCondLst>
                                     <p:cond delay="0"/>
                                   </p:stCondLst>
                                   <p:childTnLst>
-                                    <p:set>
-                                      <p:cBhvr>
-                                        <p:cTn id="74" dur="1" fill="hold">
-                                          <p:stCondLst>
-                                            <p:cond delay="0"/>
-                                          </p:stCondLst>
-                                        </p:cTn>
-                                        <p:tgtEl>
-                                          <p:spTgt spid="8"/>
-                                        </p:tgtEl>
-                                        <p:attrNameLst>
-                                          <p:attrName>style.visibility</p:attrName>
-                                        </p:attrNameLst>
-                                      </p:cBhvr>
-                                      <p:to>
-                                        <p:strVal val="visible"/>
-                                      </p:to>
-                                    </p:set>
-                                    <p:animEffect transition="in" filter="fade">
-                                      <p:cBhvr>
-                                        <p:cTn id="75" dur="1150"/>
-                                        <p:tgtEl>
-                                          <p:spTgt spid="8"/>
-                                        </p:tgtEl>
-                                      </p:cBhvr>
-                                    </p:animEffect>
-                                  </p:childTnLst>
-                                </p:cTn>
-                              </p:par>
-                              <p:par>
-                                <p:cTn id="76" presetID="42" presetClass="path" presetSubtype="0" accel="50000" decel="50000" fill="hold" nodeType="withEffect">
-                                  <p:stCondLst>
-                                    <p:cond delay="250"/>
-                                  </p:stCondLst>
-                                  <p:childTnLst>
-                                    <p:animMotion origin="layout" path="M -3.7037E-6 1.53846E-6 L 0.83009 -0.44583 " pathEditMode="relative" rAng="0" ptsTypes="AA">
-                                      <p:cBhvr>
-                                        <p:cTn id="77" dur="1400" fill="hold"/>
+                                    <p:animMotion origin="layout" path="M -4.81481E-6 1.53846E-6 L 0.86575 -0.43862 " pathEditMode="relative" rAng="0" ptsTypes="AA">
+                                      <p:cBhvr>
+                                        <p:cTn id="77" dur="2000" fill="hold"/>
                                         <p:tgtEl>
                                           <p:spTgt spid="10"/>
                                         </p:tgtEl>
@@ -12335,7 +12335,7 @@
                                           <p:attrName>ppt_y</p:attrName>
                                         </p:attrNameLst>
                                       </p:cBhvr>
-                                      <p:rCtr x="41481" y="-22292"/>
+                                      <p:rCtr x="43287" y="-21939"/>
                                     </p:animMotion>
                                   </p:childTnLst>
                                 </p:cTn>
@@ -19045,7 +19045,20 @@
               <a:rPr lang="pt-BR" b="1" dirty="0">
                 <a:cs typeface="Times New Roman"/>
               </a:rPr>
-              <a:t>Para maiores informações clique em “Lista Completa”. </a:t>
+              <a:t>Para maiores informações clique em “</a:t>
+            </a:r>
+            <a:r>
+              <a:rPr lang="pt-BR" b="1" dirty="0">
+                <a:cs typeface="Times New Roman"/>
+                <a:hlinkClick r:id="rId7"/>
+              </a:rPr>
+              <a:t>Lista Completa</a:t>
+            </a:r>
+            <a:r>
+              <a:rPr lang="pt-BR" b="1" dirty="0">
+                <a:cs typeface="Times New Roman"/>
+              </a:rPr>
+              <a:t>”. </a:t>
             </a:r>
             <a:endParaRPr lang="en-JM" b="1" dirty="0"/>
           </a:p>
